--- a/fig-proposal/invariant-base-case.pptx
+++ b/fig-proposal/invariant-base-case.pptx
@@ -10,7 +10,7 @@
   <p:sldIdLst>
     <p:sldId id="257" r:id="rId2"/>
   </p:sldIdLst>
-  <p:sldSz cx="9144000" cy="4572000"/>
+  <p:sldSz cx="8778875" cy="4937125"/>
   <p:notesSz cx="6858000" cy="9144000"/>
   <p:defaultTextStyle>
     <a:defPPr>
@@ -107,6 +107,22 @@
       </a:defRPr>
     </a:lvl9pPr>
   </p:defaultTextStyle>
+  <p:extLst>
+    <p:ext uri="{EFAFB233-063F-42B5-8137-9DF3F51BA10A}">
+      <p15:sldGuideLst xmlns:p15="http://schemas.microsoft.com/office/powerpoint/2012/main">
+        <p15:guide id="1" orient="horz" pos="1555" userDrawn="1">
+          <p15:clr>
+            <a:srgbClr val="A4A3A4"/>
+          </p15:clr>
+        </p15:guide>
+        <p15:guide id="2" pos="2765" userDrawn="1">
+          <p15:clr>
+            <a:srgbClr val="A4A3A4"/>
+          </p15:clr>
+        </p15:guide>
+      </p15:sldGuideLst>
+    </p:ext>
+  </p:extLst>
 </p:presentation>
 </file>
 
@@ -193,7 +209,7 @@
             <a:fld id="{46910B7E-7129-4E1A-9407-5C899B9B4D04}" type="datetimeFigureOut">
               <a:rPr lang="en-US" smtClean="0"/>
               <a:pPr/>
-              <a:t>5/20/2014</a:t>
+              <a:t>10/6/2016</a:t>
             </a:fld>
             <a:endParaRPr lang="en-US"/>
           </a:p>
@@ -211,8 +227,8 @@
         </p:nvSpPr>
         <p:spPr>
           <a:xfrm>
-            <a:off x="0" y="685800"/>
-            <a:ext cx="6858000" cy="3429000"/>
+            <a:off x="381000" y="685800"/>
+            <a:ext cx="6096000" cy="3429000"/>
           </a:xfrm>
           <a:prstGeom prst="rect">
             <a:avLst/>
@@ -362,6 +378,11 @@
         </p:txBody>
       </p:sp>
     </p:spTree>
+    <p:extLst>
+      <p:ext uri="{BB962C8B-B14F-4D97-AF65-F5344CB8AC3E}">
+        <p14:creationId xmlns:p14="http://schemas.microsoft.com/office/powerpoint/2010/main" val="3664114867"/>
+      </p:ext>
+    </p:extLst>
   </p:cSld>
   <p:clrMap bg1="lt1" tx1="dk1" bg2="lt2" tx2="dk2" accent1="accent1" accent2="accent2" accent3="accent3" accent4="accent4" accent5="accent5" accent6="accent6" hlink="hlink" folHlink="folHlink"/>
   <p:notesStyle>
@@ -488,8 +509,8 @@
         </p:nvSpPr>
         <p:spPr>
           <a:xfrm>
-            <a:off x="0" y="685800"/>
-            <a:ext cx="6858000" cy="3429000"/>
+            <a:off x="381000" y="685800"/>
+            <a:ext cx="6096000" cy="3429000"/>
           </a:xfrm>
         </p:spPr>
       </p:sp>
@@ -544,6 +565,11 @@
         </p:txBody>
       </p:sp>
     </p:spTree>
+    <p:extLst>
+      <p:ext uri="{BB962C8B-B14F-4D97-AF65-F5344CB8AC3E}">
+        <p14:creationId xmlns:p14="http://schemas.microsoft.com/office/powerpoint/2010/main" val="1065662390"/>
+      </p:ext>
+    </p:extLst>
   </p:cSld>
   <p:clrMapOvr>
     <a:masterClrMapping/>
@@ -580,8 +606,8 @@
         </p:nvSpPr>
         <p:spPr>
           <a:xfrm>
-            <a:off x="685800" y="1420284"/>
-            <a:ext cx="7772400" cy="980017"/>
+            <a:off x="658416" y="1533710"/>
+            <a:ext cx="7462043" cy="1058282"/>
           </a:xfrm>
         </p:spPr>
         <p:txBody>
@@ -608,8 +634,8 @@
         </p:nvSpPr>
         <p:spPr>
           <a:xfrm>
-            <a:off x="1371600" y="2590800"/>
-            <a:ext cx="6400800" cy="1168400"/>
+            <a:off x="1316832" y="2797704"/>
+            <a:ext cx="6145212" cy="1261710"/>
           </a:xfrm>
         </p:spPr>
         <p:txBody>
@@ -733,7 +759,7 @@
             <a:fld id="{57B9F8BA-F8D5-4760-A412-43128239293E}" type="datetimeFigureOut">
               <a:rPr lang="en-US" smtClean="0"/>
               <a:pPr/>
-              <a:t>5/20/2014</a:t>
+              <a:t>10/6/2016</a:t>
             </a:fld>
             <a:endParaRPr lang="en-US"/>
           </a:p>
@@ -900,7 +926,7 @@
             <a:fld id="{57B9F8BA-F8D5-4760-A412-43128239293E}" type="datetimeFigureOut">
               <a:rPr lang="en-US" smtClean="0"/>
               <a:pPr/>
-              <a:t>5/20/2014</a:t>
+              <a:t>10/6/2016</a:t>
             </a:fld>
             <a:endParaRPr lang="en-US"/>
           </a:p>
@@ -986,8 +1012,8 @@
         </p:nvSpPr>
         <p:spPr>
           <a:xfrm>
-            <a:off x="6629400" y="183092"/>
-            <a:ext cx="2057400" cy="3901017"/>
+            <a:off x="6364685" y="197717"/>
+            <a:ext cx="1975247" cy="4212557"/>
           </a:xfrm>
         </p:spPr>
         <p:txBody>
@@ -1014,8 +1040,8 @@
         </p:nvSpPr>
         <p:spPr>
           <a:xfrm>
-            <a:off x="457200" y="183092"/>
-            <a:ext cx="6019800" cy="3901017"/>
+            <a:off x="438945" y="197717"/>
+            <a:ext cx="5779426" cy="4212557"/>
           </a:xfrm>
         </p:spPr>
         <p:txBody>
@@ -1077,7 +1103,7 @@
             <a:fld id="{57B9F8BA-F8D5-4760-A412-43128239293E}" type="datetimeFigureOut">
               <a:rPr lang="en-US" smtClean="0"/>
               <a:pPr/>
-              <a:t>5/20/2014</a:t>
+              <a:t>10/6/2016</a:t>
             </a:fld>
             <a:endParaRPr lang="en-US"/>
           </a:p>
@@ -1244,7 +1270,7 @@
             <a:fld id="{57B9F8BA-F8D5-4760-A412-43128239293E}" type="datetimeFigureOut">
               <a:rPr lang="en-US" smtClean="0"/>
               <a:pPr/>
-              <a:t>5/20/2014</a:t>
+              <a:t>10/6/2016</a:t>
             </a:fld>
             <a:endParaRPr lang="en-US"/>
           </a:p>
@@ -1330,8 +1356,8 @@
         </p:nvSpPr>
         <p:spPr>
           <a:xfrm>
-            <a:off x="722313" y="2937934"/>
-            <a:ext cx="7772400" cy="908050"/>
+            <a:off x="693471" y="3172561"/>
+            <a:ext cx="7462043" cy="980568"/>
           </a:xfrm>
         </p:spPr>
         <p:txBody>
@@ -1362,8 +1388,8 @@
         </p:nvSpPr>
         <p:spPr>
           <a:xfrm>
-            <a:off x="722313" y="1937809"/>
-            <a:ext cx="7772400" cy="1000125"/>
+            <a:off x="693471" y="2092565"/>
+            <a:ext cx="7462043" cy="1079996"/>
           </a:xfrm>
         </p:spPr>
         <p:txBody>
@@ -1487,7 +1513,7 @@
             <a:fld id="{57B9F8BA-F8D5-4760-A412-43128239293E}" type="datetimeFigureOut">
               <a:rPr lang="en-US" smtClean="0"/>
               <a:pPr/>
-              <a:t>5/20/2014</a:t>
+              <a:t>10/6/2016</a:t>
             </a:fld>
             <a:endParaRPr lang="en-US"/>
           </a:p>
@@ -1596,8 +1622,8 @@
         </p:nvSpPr>
         <p:spPr>
           <a:xfrm>
-            <a:off x="457200" y="1066800"/>
-            <a:ext cx="4038600" cy="3017309"/>
+            <a:off x="438944" y="1151997"/>
+            <a:ext cx="3877336" cy="3258275"/>
           </a:xfrm>
         </p:spPr>
         <p:txBody>
@@ -1681,8 +1707,8 @@
         </p:nvSpPr>
         <p:spPr>
           <a:xfrm>
-            <a:off x="4648200" y="1066800"/>
-            <a:ext cx="4038600" cy="3017309"/>
+            <a:off x="4462595" y="1151997"/>
+            <a:ext cx="3877336" cy="3258275"/>
           </a:xfrm>
         </p:spPr>
         <p:txBody>
@@ -1772,7 +1798,7 @@
             <a:fld id="{57B9F8BA-F8D5-4760-A412-43128239293E}" type="datetimeFigureOut">
               <a:rPr lang="en-US" smtClean="0"/>
               <a:pPr/>
-              <a:t>5/20/2014</a:t>
+              <a:t>10/6/2016</a:t>
             </a:fld>
             <a:endParaRPr lang="en-US"/>
           </a:p>
@@ -1885,8 +1911,8 @@
         </p:nvSpPr>
         <p:spPr>
           <a:xfrm>
-            <a:off x="457200" y="1023409"/>
-            <a:ext cx="4040188" cy="426508"/>
+            <a:off x="438945" y="1105140"/>
+            <a:ext cx="3878862" cy="460569"/>
           </a:xfrm>
         </p:spPr>
         <p:txBody>
@@ -1950,8 +1976,8 @@
         </p:nvSpPr>
         <p:spPr>
           <a:xfrm>
-            <a:off x="457200" y="1449917"/>
-            <a:ext cx="4040188" cy="2634192"/>
+            <a:off x="438945" y="1565709"/>
+            <a:ext cx="3878862" cy="2844562"/>
           </a:xfrm>
         </p:spPr>
         <p:txBody>
@@ -2035,8 +2061,8 @@
         </p:nvSpPr>
         <p:spPr>
           <a:xfrm>
-            <a:off x="4645026" y="1023409"/>
-            <a:ext cx="4041775" cy="426508"/>
+            <a:off x="4459549" y="1105140"/>
+            <a:ext cx="3880385" cy="460569"/>
           </a:xfrm>
         </p:spPr>
         <p:txBody>
@@ -2100,8 +2126,8 @@
         </p:nvSpPr>
         <p:spPr>
           <a:xfrm>
-            <a:off x="4645026" y="1449917"/>
-            <a:ext cx="4041775" cy="2634192"/>
+            <a:off x="4459549" y="1565709"/>
+            <a:ext cx="3880385" cy="2844562"/>
           </a:xfrm>
         </p:spPr>
         <p:txBody>
@@ -2191,7 +2217,7 @@
             <a:fld id="{57B9F8BA-F8D5-4760-A412-43128239293E}" type="datetimeFigureOut">
               <a:rPr lang="en-US" smtClean="0"/>
               <a:pPr/>
-              <a:t>5/20/2014</a:t>
+              <a:t>10/6/2016</a:t>
             </a:fld>
             <a:endParaRPr lang="en-US"/>
           </a:p>
@@ -2306,7 +2332,7 @@
             <a:fld id="{57B9F8BA-F8D5-4760-A412-43128239293E}" type="datetimeFigureOut">
               <a:rPr lang="en-US" smtClean="0"/>
               <a:pPr/>
-              <a:t>5/20/2014</a:t>
+              <a:t>10/6/2016</a:t>
             </a:fld>
             <a:endParaRPr lang="en-US"/>
           </a:p>
@@ -2398,7 +2424,7 @@
             <a:fld id="{57B9F8BA-F8D5-4760-A412-43128239293E}" type="datetimeFigureOut">
               <a:rPr lang="en-US" smtClean="0"/>
               <a:pPr/>
-              <a:t>5/20/2014</a:t>
+              <a:t>10/6/2016</a:t>
             </a:fld>
             <a:endParaRPr lang="en-US"/>
           </a:p>
@@ -2484,8 +2510,8 @@
         </p:nvSpPr>
         <p:spPr>
           <a:xfrm>
-            <a:off x="457201" y="182033"/>
-            <a:ext cx="3008313" cy="774700"/>
+            <a:off x="438948" y="196571"/>
+            <a:ext cx="2888189" cy="836568"/>
           </a:xfrm>
         </p:spPr>
         <p:txBody>
@@ -2516,8 +2542,8 @@
         </p:nvSpPr>
         <p:spPr>
           <a:xfrm>
-            <a:off x="3575050" y="182034"/>
-            <a:ext cx="5111750" cy="3902075"/>
+            <a:off x="3432296" y="196575"/>
+            <a:ext cx="4907636" cy="4213699"/>
           </a:xfrm>
         </p:spPr>
         <p:txBody>
@@ -2601,8 +2627,8 @@
         </p:nvSpPr>
         <p:spPr>
           <a:xfrm>
-            <a:off x="457201" y="956734"/>
-            <a:ext cx="3008313" cy="3127375"/>
+            <a:off x="438948" y="1033143"/>
+            <a:ext cx="2888189" cy="3377131"/>
           </a:xfrm>
         </p:spPr>
         <p:txBody>
@@ -2672,7 +2698,7 @@
             <a:fld id="{57B9F8BA-F8D5-4760-A412-43128239293E}" type="datetimeFigureOut">
               <a:rPr lang="en-US" smtClean="0"/>
               <a:pPr/>
-              <a:t>5/20/2014</a:t>
+              <a:t>10/6/2016</a:t>
             </a:fld>
             <a:endParaRPr lang="en-US"/>
           </a:p>
@@ -2758,8 +2784,8 @@
         </p:nvSpPr>
         <p:spPr>
           <a:xfrm>
-            <a:off x="1792288" y="3200400"/>
-            <a:ext cx="5486400" cy="377825"/>
+            <a:off x="1720721" y="3455988"/>
+            <a:ext cx="5267325" cy="407999"/>
           </a:xfrm>
         </p:spPr>
         <p:txBody>
@@ -2790,8 +2816,8 @@
         </p:nvSpPr>
         <p:spPr>
           <a:xfrm>
-            <a:off x="1792288" y="408517"/>
-            <a:ext cx="5486400" cy="2743200"/>
+            <a:off x="1720721" y="441145"/>
+            <a:ext cx="5267325" cy="2962275"/>
           </a:xfrm>
         </p:spPr>
         <p:txBody>
@@ -2851,8 +2877,8 @@
         </p:nvSpPr>
         <p:spPr>
           <a:xfrm>
-            <a:off x="1792288" y="3578225"/>
-            <a:ext cx="5486400" cy="536575"/>
+            <a:off x="1720721" y="3863987"/>
+            <a:ext cx="5267325" cy="579426"/>
           </a:xfrm>
         </p:spPr>
         <p:txBody>
@@ -2922,7 +2948,7 @@
             <a:fld id="{57B9F8BA-F8D5-4760-A412-43128239293E}" type="datetimeFigureOut">
               <a:rPr lang="en-US" smtClean="0"/>
               <a:pPr/>
-              <a:t>5/20/2014</a:t>
+              <a:t>10/6/2016</a:t>
             </a:fld>
             <a:endParaRPr lang="en-US"/>
           </a:p>
@@ -3013,8 +3039,8 @@
         </p:nvSpPr>
         <p:spPr>
           <a:xfrm>
-            <a:off x="457200" y="183092"/>
-            <a:ext cx="8229600" cy="762000"/>
+            <a:off x="438944" y="197714"/>
+            <a:ext cx="7900988" cy="822854"/>
           </a:xfrm>
           <a:prstGeom prst="rect">
             <a:avLst/>
@@ -3046,8 +3072,8 @@
         </p:nvSpPr>
         <p:spPr>
           <a:xfrm>
-            <a:off x="457200" y="1066800"/>
-            <a:ext cx="8229600" cy="3017309"/>
+            <a:off x="438944" y="1151997"/>
+            <a:ext cx="7900988" cy="3258275"/>
           </a:xfrm>
           <a:prstGeom prst="rect">
             <a:avLst/>
@@ -3108,8 +3134,8 @@
         </p:nvSpPr>
         <p:spPr>
           <a:xfrm>
-            <a:off x="457200" y="4237567"/>
-            <a:ext cx="2133600" cy="243417"/>
+            <a:off x="438944" y="4575987"/>
+            <a:ext cx="2048404" cy="262857"/>
           </a:xfrm>
           <a:prstGeom prst="rect">
             <a:avLst/>
@@ -3132,7 +3158,7 @@
             <a:fld id="{57B9F8BA-F8D5-4760-A412-43128239293E}" type="datetimeFigureOut">
               <a:rPr lang="en-US" smtClean="0"/>
               <a:pPr/>
-              <a:t>5/20/2014</a:t>
+              <a:t>10/6/2016</a:t>
             </a:fld>
             <a:endParaRPr lang="en-US"/>
           </a:p>
@@ -3150,8 +3176,8 @@
         </p:nvSpPr>
         <p:spPr>
           <a:xfrm>
-            <a:off x="3124200" y="4237567"/>
-            <a:ext cx="2895600" cy="243417"/>
+            <a:off x="2999449" y="4575987"/>
+            <a:ext cx="2779977" cy="262857"/>
           </a:xfrm>
           <a:prstGeom prst="rect">
             <a:avLst/>
@@ -3187,8 +3213,8 @@
         </p:nvSpPr>
         <p:spPr>
           <a:xfrm>
-            <a:off x="6553200" y="4237567"/>
-            <a:ext cx="2133600" cy="243417"/>
+            <a:off x="6291527" y="4575987"/>
+            <a:ext cx="2048404" cy="262857"/>
           </a:xfrm>
           <a:prstGeom prst="rect">
             <a:avLst/>
@@ -3511,8 +3537,8 @@
         </p:nvSpPr>
         <p:spPr>
           <a:xfrm>
-            <a:off x="152400" y="224589"/>
-            <a:ext cx="4743275" cy="2128504"/>
+            <a:off x="274637" y="407151"/>
+            <a:ext cx="4419600" cy="2128504"/>
           </a:xfrm>
           <a:prstGeom prst="rect">
             <a:avLst/>
@@ -3560,7 +3586,7 @@
         </p:nvSpPr>
         <p:spPr>
           <a:xfrm>
-            <a:off x="376710" y="1352951"/>
+            <a:off x="498946" y="1535513"/>
             <a:ext cx="2640980" cy="876598"/>
           </a:xfrm>
           <a:prstGeom prst="roundRect">
@@ -3616,7 +3642,7 @@
         </p:nvSpPr>
         <p:spPr>
           <a:xfrm>
-            <a:off x="376710" y="288512"/>
+            <a:off x="498950" y="471074"/>
             <a:ext cx="1298109" cy="876598"/>
           </a:xfrm>
           <a:prstGeom prst="roundRect">
@@ -3667,13 +3693,16 @@
       <p:cxnSp>
         <p:nvCxnSpPr>
           <p:cNvPr id="60" name="Straight Arrow Connector 59"/>
-          <p:cNvCxnSpPr/>
+          <p:cNvCxnSpPr>
+            <a:stCxn id="99" idx="2"/>
+            <a:endCxn id="90" idx="0"/>
+          </p:cNvCxnSpPr>
           <p:nvPr/>
         </p:nvCxnSpPr>
         <p:spPr>
           <a:xfrm>
-            <a:off x="1026636" y="1041098"/>
-            <a:ext cx="0" cy="436169"/>
+            <a:off x="1126030" y="1209028"/>
+            <a:ext cx="0" cy="448191"/>
           </a:xfrm>
           <a:prstGeom prst="straightConnector1">
             <a:avLst/>
@@ -3703,13 +3732,16 @@
       <p:cxnSp>
         <p:nvCxnSpPr>
           <p:cNvPr id="61" name="Straight Arrow Connector 60"/>
-          <p:cNvCxnSpPr/>
+          <p:cNvCxnSpPr>
+            <a:stCxn id="90" idx="3"/>
+            <a:endCxn id="97" idx="1"/>
+          </p:cNvCxnSpPr>
           <p:nvPr/>
         </p:nvCxnSpPr>
         <p:spPr>
           <a:xfrm>
-            <a:off x="1429449" y="1791306"/>
-            <a:ext cx="535609" cy="0"/>
+            <a:off x="1528842" y="1971257"/>
+            <a:ext cx="564886" cy="0"/>
           </a:xfrm>
           <a:prstGeom prst="straightConnector1">
             <a:avLst/>
@@ -3746,8 +3778,8 @@
         </p:nvSpPr>
         <p:spPr bwMode="auto">
           <a:xfrm>
-            <a:off x="3207392" y="485273"/>
-            <a:ext cx="1386920" cy="1210857"/>
+            <a:off x="3157315" y="432323"/>
+            <a:ext cx="1536922" cy="954107"/>
           </a:xfrm>
           <a:prstGeom prst="rect">
             <a:avLst/>
@@ -3767,13 +3799,19 @@
           <a:lstStyle/>
           <a:p>
             <a:r>
-              <a:rPr lang="en-US" sz="2000" dirty="0"/>
+              <a:rPr lang="en-US" sz="2800" dirty="0">
+                <a:latin typeface="Times New Roman" panose="02020603050405020304" pitchFamily="18" charset="0"/>
+                <a:cs typeface="Times New Roman" panose="02020603050405020304" pitchFamily="18" charset="0"/>
+              </a:rPr>
               <a:t>Pipeline</a:t>
             </a:r>
           </a:p>
           <a:p>
             <a:r>
-              <a:rPr lang="en-US" sz="2000" dirty="0"/>
+              <a:rPr lang="en-US" sz="2800" dirty="0">
+                <a:latin typeface="Times New Roman" panose="02020603050405020304" pitchFamily="18" charset="0"/>
+                <a:cs typeface="Times New Roman" panose="02020603050405020304" pitchFamily="18" charset="0"/>
+              </a:rPr>
               <a:t>Prologue </a:t>
             </a:r>
           </a:p>
@@ -3787,7 +3825,7 @@
         </p:nvSpPr>
         <p:spPr>
           <a:xfrm>
-            <a:off x="604786" y="1508190"/>
+            <a:off x="723221" y="1657219"/>
             <a:ext cx="805625" cy="628083"/>
           </a:xfrm>
           <a:prstGeom prst="rect">
@@ -3821,22 +3859,17 @@
           <a:bodyPr anchor="ctr"/>
           <a:lstStyle/>
           <a:p>
-            <a:pPr>
-              <a:defRPr/>
-            </a:pPr>
-            <a:r>
-              <a:rPr lang="en-US" sz="2800" dirty="0" smtClean="0">
+            <a:pPr algn="ctr"/>
+            <a:r>
+              <a:rPr lang="en-US" sz="2400" dirty="0">
                 <a:solidFill>
                   <a:schemeClr val="tx1"/>
                 </a:solidFill>
+                <a:latin typeface="Times New Roman" panose="02020603050405020304" pitchFamily="18" charset="0"/>
+                <a:cs typeface="Times New Roman" panose="02020603050405020304" pitchFamily="18" charset="0"/>
               </a:rPr>
-              <a:t>   Y</a:t>
-            </a:r>
-            <a:endParaRPr lang="en-US" sz="2800" dirty="0">
-              <a:solidFill>
-                <a:schemeClr val="tx1"/>
-              </a:solidFill>
-            </a:endParaRPr>
+              <a:t>Y</a:t>
+            </a:r>
           </a:p>
         </p:txBody>
       </p:sp>
@@ -3848,7 +3881,7 @@
         </p:nvSpPr>
         <p:spPr>
           <a:xfrm>
-            <a:off x="1971492" y="1441115"/>
+            <a:off x="2093732" y="1657219"/>
             <a:ext cx="805625" cy="628083"/>
           </a:xfrm>
           <a:prstGeom prst="rect">
@@ -3882,30 +3915,14 @@
           <a:bodyPr anchor="ctr"/>
           <a:lstStyle/>
           <a:p>
-            <a:pPr>
-              <a:defRPr/>
-            </a:pPr>
-            <a:r>
-              <a:rPr lang="en-US" sz="2400" dirty="0" smtClean="0">
+            <a:pPr algn="ctr"/>
+            <a:r>
+              <a:rPr lang="en-US" sz="2400" dirty="0">
                 <a:solidFill>
                   <a:schemeClr val="tx1"/>
                 </a:solidFill>
-              </a:rPr>
-              <a:t>  </a:t>
-            </a:r>
-            <a:r>
-              <a:rPr lang="en-US" sz="2800" dirty="0" smtClean="0">
-                <a:solidFill>
-                  <a:schemeClr val="tx1"/>
-                </a:solidFill>
-              </a:rPr>
-              <a:t> </a:t>
-            </a:r>
-            <a:r>
-              <a:rPr lang="en-US" sz="2800" dirty="0">
-                <a:solidFill>
-                  <a:schemeClr val="tx1"/>
-                </a:solidFill>
+                <a:latin typeface="Times New Roman" panose="02020603050405020304" pitchFamily="18" charset="0"/>
+                <a:cs typeface="Times New Roman" panose="02020603050405020304" pitchFamily="18" charset="0"/>
               </a:rPr>
               <a:t>X</a:t>
             </a:r>
@@ -3920,7 +3937,7 @@
         </p:nvSpPr>
         <p:spPr>
           <a:xfrm>
-            <a:off x="604786" y="398379"/>
+            <a:off x="723221" y="580945"/>
             <a:ext cx="805625" cy="628083"/>
           </a:xfrm>
           <a:prstGeom prst="rect">
@@ -3954,7 +3971,7 @@
           <a:bodyPr anchor="ctr"/>
           <a:lstStyle/>
           <a:p>
-            <a:pPr>
+            <a:pPr algn="ctr">
               <a:defRPr/>
             </a:pPr>
             <a:r>
@@ -3962,21 +3979,17 @@
                 <a:solidFill>
                   <a:schemeClr val="tx1"/>
                 </a:solidFill>
+                <a:latin typeface="Times New Roman" panose="02020603050405020304" pitchFamily="18" charset="0"/>
+                <a:cs typeface="Times New Roman" panose="02020603050405020304" pitchFamily="18" charset="0"/>
               </a:rPr>
-              <a:t>  </a:t>
-            </a:r>
-            <a:r>
-              <a:rPr lang="en-US" sz="2800" smtClean="0">
-                <a:solidFill>
-                  <a:schemeClr val="tx1"/>
-                </a:solidFill>
-              </a:rPr>
-              <a:t> X'</a:t>
-            </a:r>
-            <a:endParaRPr lang="en-US" sz="2800" dirty="0">
+              <a:t>X'</a:t>
+            </a:r>
+            <a:endParaRPr lang="en-US" sz="2400" dirty="0">
               <a:solidFill>
                 <a:schemeClr val="tx1"/>
               </a:solidFill>
+              <a:latin typeface="Times New Roman" panose="02020603050405020304" pitchFamily="18" charset="0"/>
+              <a:cs typeface="Times New Roman" panose="02020603050405020304" pitchFamily="18" charset="0"/>
             </a:endParaRPr>
           </a:p>
         </p:txBody>
@@ -3989,7 +4002,7 @@
         </p:nvSpPr>
         <p:spPr>
           <a:xfrm>
-            <a:off x="6438263" y="2286000"/>
+            <a:off x="5265816" y="2533656"/>
             <a:ext cx="687233" cy="553132"/>
           </a:xfrm>
           <a:prstGeom prst="rect">
@@ -4023,30 +4036,14 @@
           <a:bodyPr anchor="ctr"/>
           <a:lstStyle/>
           <a:p>
-            <a:pPr>
-              <a:defRPr/>
-            </a:pPr>
-            <a:r>
-              <a:rPr lang="en-US" sz="2400" dirty="0" smtClean="0">
+            <a:pPr algn="ctr"/>
+            <a:r>
+              <a:rPr lang="en-US" sz="2400" dirty="0">
                 <a:solidFill>
                   <a:schemeClr val="tx1"/>
                 </a:solidFill>
-              </a:rPr>
-              <a:t>  </a:t>
-            </a:r>
-            <a:r>
-              <a:rPr lang="en-US" sz="2800" dirty="0" smtClean="0">
-                <a:solidFill>
-                  <a:schemeClr val="tx1"/>
-                </a:solidFill>
-              </a:rPr>
-              <a:t> </a:t>
-            </a:r>
-            <a:r>
-              <a:rPr lang="en-US" sz="2800" dirty="0">
-                <a:solidFill>
-                  <a:schemeClr val="tx1"/>
-                </a:solidFill>
+                <a:latin typeface="Times New Roman" panose="02020603050405020304" pitchFamily="18" charset="0"/>
+                <a:cs typeface="Times New Roman" panose="02020603050405020304" pitchFamily="18" charset="0"/>
               </a:rPr>
               <a:t>X</a:t>
             </a:r>
@@ -4061,7 +4058,7 @@
         </p:nvSpPr>
         <p:spPr>
           <a:xfrm>
-            <a:off x="6438263" y="3048000"/>
+            <a:off x="5265816" y="3304282"/>
             <a:ext cx="687233" cy="553132"/>
           </a:xfrm>
           <a:prstGeom prst="rect">
@@ -4095,22 +4092,17 @@
           <a:bodyPr anchor="ctr"/>
           <a:lstStyle/>
           <a:p>
-            <a:pPr>
-              <a:defRPr/>
-            </a:pPr>
-            <a:r>
-              <a:rPr lang="en-US" sz="2800" dirty="0" smtClean="0">
+            <a:pPr algn="ctr"/>
+            <a:r>
+              <a:rPr lang="en-US" sz="2400" dirty="0">
                 <a:solidFill>
                   <a:schemeClr val="tx1"/>
                 </a:solidFill>
+                <a:latin typeface="Times New Roman" panose="02020603050405020304" pitchFamily="18" charset="0"/>
+                <a:cs typeface="Times New Roman" panose="02020603050405020304" pitchFamily="18" charset="0"/>
               </a:rPr>
-              <a:t>  Y</a:t>
-            </a:r>
-            <a:endParaRPr lang="en-US" sz="2800" dirty="0">
-              <a:solidFill>
-                <a:schemeClr val="tx1"/>
-              </a:solidFill>
-            </a:endParaRPr>
+              <a:t>Y</a:t>
+            </a:r>
           </a:p>
         </p:txBody>
       </p:sp>
@@ -4122,7 +4114,7 @@
         </p:nvSpPr>
         <p:spPr>
           <a:xfrm>
-            <a:off x="6438263" y="3866468"/>
+            <a:off x="5265816" y="4125230"/>
             <a:ext cx="687233" cy="553132"/>
           </a:xfrm>
           <a:prstGeom prst="rect">
@@ -4156,43 +4148,33 @@
           <a:bodyPr anchor="ctr"/>
           <a:lstStyle/>
           <a:p>
-            <a:pPr>
-              <a:defRPr/>
-            </a:pPr>
-            <a:r>
-              <a:rPr lang="en-US" sz="2800" dirty="0">
+            <a:pPr algn="ctr"/>
+            <a:r>
+              <a:rPr lang="en-US" sz="2400" dirty="0">
                 <a:solidFill>
-                  <a:prstClr val="black"/>
+                  <a:schemeClr val="tx1"/>
                 </a:solidFill>
+                <a:latin typeface="Times New Roman" panose="02020603050405020304" pitchFamily="18" charset="0"/>
+                <a:cs typeface="Times New Roman" panose="02020603050405020304" pitchFamily="18" charset="0"/>
               </a:rPr>
-              <a:t> </a:t>
-            </a:r>
-            <a:r>
-              <a:rPr lang="en-US" sz="2800" dirty="0" smtClean="0">
-                <a:solidFill>
-                  <a:prstClr val="black"/>
-                </a:solidFill>
-              </a:rPr>
-              <a:t> X</a:t>
-            </a:r>
-            <a:endParaRPr lang="en-US" baseline="-25000" dirty="0">
-              <a:solidFill>
-                <a:schemeClr val="tx1"/>
-              </a:solidFill>
-            </a:endParaRPr>
+              <a:t>X</a:t>
+            </a:r>
           </a:p>
         </p:txBody>
       </p:sp>
       <p:cxnSp>
         <p:nvCxnSpPr>
           <p:cNvPr id="110" name="Straight Arrow Connector 109"/>
-          <p:cNvCxnSpPr/>
+          <p:cNvCxnSpPr>
+            <a:stCxn id="106" idx="2"/>
+            <a:endCxn id="107" idx="0"/>
+          </p:cNvCxnSpPr>
           <p:nvPr/>
         </p:nvCxnSpPr>
         <p:spPr>
-          <a:xfrm rot="5400000">
-            <a:off x="6676572" y="2943566"/>
-            <a:ext cx="208868" cy="1588"/>
+          <a:xfrm>
+            <a:off x="5609433" y="3086788"/>
+            <a:ext cx="0" cy="217494"/>
           </a:xfrm>
           <a:prstGeom prst="straightConnector1">
             <a:avLst/>
@@ -4229,9 +4211,9 @@
           <p:nvPr/>
         </p:nvCxnSpPr>
         <p:spPr>
-          <a:xfrm rot="5400000">
-            <a:off x="6649212" y="3733800"/>
-            <a:ext cx="265336" cy="1588"/>
+          <a:xfrm>
+            <a:off x="5609433" y="3857414"/>
+            <a:ext cx="0" cy="267816"/>
           </a:xfrm>
           <a:prstGeom prst="straightConnector1">
             <a:avLst/>
@@ -4266,8 +4248,8 @@
         </p:nvSpPr>
         <p:spPr>
           <a:xfrm>
-            <a:off x="6096000" y="2133600"/>
-            <a:ext cx="2743200" cy="1600200"/>
+            <a:off x="4981506" y="2352021"/>
+            <a:ext cx="3505200" cy="1600200"/>
           </a:xfrm>
           <a:prstGeom prst="rect">
             <a:avLst/>
@@ -4315,8 +4297,8 @@
         </p:nvSpPr>
         <p:spPr>
           <a:xfrm>
-            <a:off x="6096000" y="3810000"/>
-            <a:ext cx="2743200" cy="685800"/>
+            <a:off x="4981506" y="4068762"/>
+            <a:ext cx="3505200" cy="685800"/>
           </a:xfrm>
           <a:prstGeom prst="rect">
             <a:avLst/>
@@ -4364,8 +4346,8 @@
         </p:nvSpPr>
         <p:spPr>
           <a:xfrm>
-            <a:off x="7315200" y="2362200"/>
-            <a:ext cx="1440180" cy="1200329"/>
+            <a:off x="6458247" y="2316162"/>
+            <a:ext cx="1979766" cy="1569660"/>
           </a:xfrm>
           <a:prstGeom prst="rect">
             <a:avLst/>
@@ -4379,14 +4361,12 @@
           <a:lstStyle/>
           <a:p>
             <a:r>
-              <a:rPr lang="en-US" dirty="0"/>
-              <a:t>m</a:t>
-            </a:r>
-            <a:r>
-              <a:rPr lang="en-US" dirty="0" smtClean="0"/>
-              <a:t> scheduling steps from Sequential CCDFG</a:t>
-            </a:r>
-            <a:endParaRPr lang="en-US" dirty="0"/>
+              <a:rPr lang="en-US" sz="2400" dirty="0">
+                <a:latin typeface="Times New Roman" panose="02020603050405020304" pitchFamily="18" charset="0"/>
+                <a:cs typeface="Times New Roman" panose="02020603050405020304" pitchFamily="18" charset="0"/>
+              </a:rPr>
+              <a:t>m scheduling steps from Sequential CCDFG</a:t>
+            </a:r>
           </a:p>
         </p:txBody>
       </p:sp>
@@ -4398,8 +4378,8 @@
         </p:nvSpPr>
         <p:spPr>
           <a:xfrm>
-            <a:off x="7394825" y="3843945"/>
-            <a:ext cx="1440180" cy="369332"/>
+            <a:off x="6477851" y="4058964"/>
+            <a:ext cx="1940563" cy="461665"/>
           </a:xfrm>
           <a:prstGeom prst="rect">
             <a:avLst/>
@@ -4413,10 +4393,12 @@
           <a:lstStyle/>
           <a:p>
             <a:r>
-              <a:rPr lang="en-US" dirty="0" smtClean="0"/>
+              <a:rPr lang="en-US" sz="2400" dirty="0">
+                <a:latin typeface="Times New Roman" panose="02020603050405020304" pitchFamily="18" charset="0"/>
+                <a:cs typeface="Times New Roman" panose="02020603050405020304" pitchFamily="18" charset="0"/>
+              </a:rPr>
               <a:t>(m- I ) steps</a:t>
             </a:r>
-            <a:endParaRPr lang="en-US" dirty="0"/>
           </a:p>
         </p:txBody>
       </p:sp>
@@ -4428,7 +4410,7 @@
         </p:nvSpPr>
         <p:spPr>
           <a:xfrm>
-            <a:off x="381000" y="2667000"/>
+            <a:off x="503240" y="2849562"/>
             <a:ext cx="3857909" cy="768710"/>
           </a:xfrm>
           <a:prstGeom prst="roundRect">
@@ -4479,13 +4461,16 @@
       <p:cxnSp>
         <p:nvCxnSpPr>
           <p:cNvPr id="23" name="Straight Arrow Connector 22"/>
-          <p:cNvCxnSpPr/>
+          <p:cNvCxnSpPr>
+            <a:stCxn id="25" idx="3"/>
+            <a:endCxn id="26" idx="1"/>
+          </p:cNvCxnSpPr>
           <p:nvPr/>
         </p:nvCxnSpPr>
         <p:spPr>
           <a:xfrm>
-            <a:off x="1378813" y="3042569"/>
-            <a:ext cx="507664" cy="0"/>
+            <a:off x="1507829" y="3238418"/>
+            <a:ext cx="506987" cy="0"/>
           </a:xfrm>
           <a:prstGeom prst="straightConnector1">
             <a:avLst/>
@@ -4515,13 +4500,16 @@
       <p:cxnSp>
         <p:nvCxnSpPr>
           <p:cNvPr id="24" name="Straight Arrow Connector 23"/>
-          <p:cNvCxnSpPr/>
+          <p:cNvCxnSpPr>
+            <a:stCxn id="26" idx="3"/>
+            <a:endCxn id="27" idx="1"/>
+          </p:cNvCxnSpPr>
           <p:nvPr/>
         </p:nvCxnSpPr>
         <p:spPr>
           <a:xfrm>
-            <a:off x="2650069" y="3042569"/>
-            <a:ext cx="530738" cy="0"/>
+            <a:off x="2778404" y="3238418"/>
+            <a:ext cx="531808" cy="0"/>
           </a:xfrm>
           <a:prstGeom prst="straightConnector1">
             <a:avLst/>
@@ -4556,7 +4544,7 @@
         </p:nvSpPr>
         <p:spPr>
           <a:xfrm>
-            <a:off x="597176" y="2789155"/>
+            <a:off x="744233" y="2963031"/>
             <a:ext cx="763592" cy="550781"/>
           </a:xfrm>
           <a:prstGeom prst="rect">
@@ -4590,30 +4578,17 @@
           <a:bodyPr anchor="ctr"/>
           <a:lstStyle/>
           <a:p>
-            <a:pPr>
-              <a:defRPr/>
-            </a:pPr>
-            <a:r>
-              <a:rPr lang="en-US" sz="2800" dirty="0">
+            <a:pPr algn="ctr"/>
+            <a:r>
+              <a:rPr lang="en-US" sz="2400" dirty="0">
                 <a:solidFill>
-                  <a:prstClr val="black"/>
+                  <a:schemeClr val="tx1"/>
                 </a:solidFill>
+                <a:latin typeface="Times New Roman" panose="02020603050405020304" pitchFamily="18" charset="0"/>
+                <a:cs typeface="Times New Roman" panose="02020603050405020304" pitchFamily="18" charset="0"/>
               </a:rPr>
-              <a:t> </a:t>
-            </a:r>
-            <a:r>
-              <a:rPr lang="en-US" sz="2800" dirty="0" smtClean="0">
-                <a:solidFill>
-                  <a:prstClr val="black"/>
-                </a:solidFill>
-              </a:rPr>
-              <a:t>  Z</a:t>
-            </a:r>
-            <a:endParaRPr lang="en-US" baseline="-25000" dirty="0">
-              <a:solidFill>
-                <a:schemeClr val="tx1"/>
-              </a:solidFill>
-            </a:endParaRPr>
+              <a:t>Z</a:t>
+            </a:r>
           </a:p>
         </p:txBody>
       </p:sp>
@@ -4625,7 +4600,7 @@
         </p:nvSpPr>
         <p:spPr>
           <a:xfrm>
-            <a:off x="1892576" y="2771774"/>
+            <a:off x="2014812" y="2963031"/>
             <a:ext cx="763592" cy="550781"/>
           </a:xfrm>
           <a:prstGeom prst="rect">
@@ -4659,22 +4634,17 @@
           <a:bodyPr anchor="ctr"/>
           <a:lstStyle/>
           <a:p>
-            <a:pPr>
-              <a:defRPr/>
-            </a:pPr>
-            <a:r>
-              <a:rPr lang="en-US" sz="2800" dirty="0" smtClean="0">
+            <a:pPr algn="ctr"/>
+            <a:r>
+              <a:rPr lang="en-US" sz="2400" dirty="0">
                 <a:solidFill>
                   <a:schemeClr val="tx1"/>
                 </a:solidFill>
+                <a:latin typeface="Times New Roman" panose="02020603050405020304" pitchFamily="18" charset="0"/>
+                <a:cs typeface="Times New Roman" panose="02020603050405020304" pitchFamily="18" charset="0"/>
               </a:rPr>
-              <a:t>   Y</a:t>
-            </a:r>
-            <a:endParaRPr lang="en-US" sz="2800" dirty="0">
-              <a:solidFill>
-                <a:schemeClr val="tx1"/>
-              </a:solidFill>
-            </a:endParaRPr>
+              <a:t>Y</a:t>
+            </a:r>
           </a:p>
         </p:txBody>
       </p:sp>
@@ -4686,7 +4656,7 @@
         </p:nvSpPr>
         <p:spPr>
           <a:xfrm>
-            <a:off x="3187976" y="2771774"/>
+            <a:off x="3310212" y="2963031"/>
             <a:ext cx="763592" cy="550781"/>
           </a:xfrm>
           <a:prstGeom prst="rect">
@@ -4720,30 +4690,14 @@
           <a:bodyPr anchor="ctr"/>
           <a:lstStyle/>
           <a:p>
-            <a:pPr>
-              <a:defRPr/>
-            </a:pPr>
-            <a:r>
-              <a:rPr lang="en-US" sz="2400" dirty="0" smtClean="0">
+            <a:pPr algn="ctr"/>
+            <a:r>
+              <a:rPr lang="en-US" sz="2400" dirty="0">
                 <a:solidFill>
                   <a:schemeClr val="tx1"/>
                 </a:solidFill>
-              </a:rPr>
-              <a:t>  </a:t>
-            </a:r>
-            <a:r>
-              <a:rPr lang="en-US" sz="2800" dirty="0" smtClean="0">
-                <a:solidFill>
-                  <a:schemeClr val="tx1"/>
-                </a:solidFill>
-              </a:rPr>
-              <a:t> </a:t>
-            </a:r>
-            <a:r>
-              <a:rPr lang="en-US" sz="2800" dirty="0">
-                <a:solidFill>
-                  <a:schemeClr val="tx1"/>
-                </a:solidFill>
+                <a:latin typeface="Times New Roman" panose="02020603050405020304" pitchFamily="18" charset="0"/>
+                <a:cs typeface="Times New Roman" panose="02020603050405020304" pitchFamily="18" charset="0"/>
               </a:rPr>
               <a:t>X</a:t>
             </a:r>
@@ -4761,8 +4715,8 @@
         </p:nvCxnSpPr>
         <p:spPr>
           <a:xfrm rot="5400000">
-            <a:off x="1316661" y="1731510"/>
-            <a:ext cx="719957" cy="1395333"/>
+            <a:off x="1472425" y="1938906"/>
+            <a:ext cx="677729" cy="1370512"/>
           </a:xfrm>
           <a:prstGeom prst="bentConnector3">
             <a:avLst>
@@ -4799,8 +4753,8 @@
         </p:nvSpPr>
         <p:spPr>
           <a:xfrm>
-            <a:off x="152400" y="2443496"/>
-            <a:ext cx="4743275" cy="1137904"/>
+            <a:off x="274639" y="2697469"/>
+            <a:ext cx="4419601" cy="1137904"/>
           </a:xfrm>
           <a:prstGeom prst="rect">
             <a:avLst/>
@@ -4848,7 +4802,7 @@
         </p:nvSpPr>
         <p:spPr>
           <a:xfrm>
-            <a:off x="6400083" y="0"/>
+            <a:off x="5227636" y="139436"/>
             <a:ext cx="763592" cy="550781"/>
           </a:xfrm>
           <a:prstGeom prst="rect">
@@ -4882,30 +4836,17 @@
           <a:bodyPr anchor="ctr"/>
           <a:lstStyle/>
           <a:p>
-            <a:pPr>
-              <a:defRPr/>
-            </a:pPr>
-            <a:r>
-              <a:rPr lang="en-US" sz="2400" dirty="0" smtClean="0">
+            <a:pPr algn="ctr"/>
+            <a:r>
+              <a:rPr lang="en-US" sz="2400" dirty="0">
                 <a:solidFill>
                   <a:schemeClr val="tx1"/>
                 </a:solidFill>
+                <a:latin typeface="Times New Roman" panose="02020603050405020304" pitchFamily="18" charset="0"/>
+                <a:cs typeface="Times New Roman" panose="02020603050405020304" pitchFamily="18" charset="0"/>
               </a:rPr>
-              <a:t>  </a:t>
-            </a:r>
-            <a:r>
-              <a:rPr lang="en-US" sz="2800" dirty="0" smtClean="0">
-                <a:solidFill>
-                  <a:schemeClr val="tx1"/>
-                </a:solidFill>
-              </a:rPr>
-              <a:t> X'</a:t>
-            </a:r>
-            <a:endParaRPr lang="en-US" sz="2800" dirty="0">
-              <a:solidFill>
-                <a:schemeClr val="tx1"/>
-              </a:solidFill>
-            </a:endParaRPr>
+              <a:t>X'</a:t>
+            </a:r>
           </a:p>
         </p:txBody>
       </p:sp>
@@ -4917,7 +4858,7 @@
         </p:nvSpPr>
         <p:spPr>
           <a:xfrm>
-            <a:off x="6400083" y="762000"/>
+            <a:off x="5227636" y="935940"/>
             <a:ext cx="763592" cy="550781"/>
           </a:xfrm>
           <a:prstGeom prst="rect">
@@ -4951,22 +4892,17 @@
           <a:bodyPr anchor="ctr"/>
           <a:lstStyle/>
           <a:p>
-            <a:pPr>
-              <a:defRPr/>
-            </a:pPr>
-            <a:r>
-              <a:rPr lang="en-US" sz="2800" dirty="0" smtClean="0">
+            <a:pPr algn="ctr"/>
+            <a:r>
+              <a:rPr lang="en-US" sz="2400" dirty="0">
                 <a:solidFill>
                   <a:schemeClr val="tx1"/>
                 </a:solidFill>
+                <a:latin typeface="Times New Roman" panose="02020603050405020304" pitchFamily="18" charset="0"/>
+                <a:cs typeface="Times New Roman" panose="02020603050405020304" pitchFamily="18" charset="0"/>
               </a:rPr>
-              <a:t>   Y</a:t>
-            </a:r>
-            <a:endParaRPr lang="en-US" sz="2800" dirty="0">
-              <a:solidFill>
-                <a:schemeClr val="tx1"/>
-              </a:solidFill>
-            </a:endParaRPr>
+              <a:t>Y</a:t>
+            </a:r>
           </a:p>
         </p:txBody>
       </p:sp>
@@ -4978,7 +4914,7 @@
         </p:nvSpPr>
         <p:spPr>
           <a:xfrm>
-            <a:off x="6400083" y="1524000"/>
+            <a:off x="5227636" y="1706566"/>
             <a:ext cx="763592" cy="550781"/>
           </a:xfrm>
           <a:prstGeom prst="rect">
@@ -5012,30 +4948,17 @@
           <a:bodyPr anchor="ctr"/>
           <a:lstStyle/>
           <a:p>
-            <a:pPr>
-              <a:defRPr/>
-            </a:pPr>
-            <a:r>
-              <a:rPr lang="en-US" sz="2800" dirty="0">
+            <a:pPr algn="ctr"/>
+            <a:r>
+              <a:rPr lang="en-US" sz="2400" dirty="0">
                 <a:solidFill>
-                  <a:prstClr val="black"/>
+                  <a:schemeClr val="tx1"/>
                 </a:solidFill>
+                <a:latin typeface="Times New Roman" panose="02020603050405020304" pitchFamily="18" charset="0"/>
+                <a:cs typeface="Times New Roman" panose="02020603050405020304" pitchFamily="18" charset="0"/>
               </a:rPr>
-              <a:t> </a:t>
-            </a:r>
-            <a:r>
-              <a:rPr lang="en-US" sz="2800" dirty="0" smtClean="0">
-                <a:solidFill>
-                  <a:prstClr val="black"/>
-                </a:solidFill>
-              </a:rPr>
-              <a:t>  Z</a:t>
-            </a:r>
-            <a:endParaRPr lang="en-US" baseline="-25000" dirty="0">
-              <a:solidFill>
-                <a:schemeClr val="tx1"/>
-              </a:solidFill>
-            </a:endParaRPr>
+              <a:t>Z</a:t>
+            </a:r>
           </a:p>
         </p:txBody>
       </p:sp>
@@ -5047,8 +4970,8 @@
         </p:nvSpPr>
         <p:spPr>
           <a:xfrm>
-            <a:off x="6096000" y="0"/>
-            <a:ext cx="2743200" cy="2057400"/>
+            <a:off x="4981506" y="69011"/>
+            <a:ext cx="3505200" cy="2225957"/>
           </a:xfrm>
           <a:prstGeom prst="rect">
             <a:avLst/>
@@ -5096,8 +5019,8 @@
         </p:nvSpPr>
         <p:spPr>
           <a:xfrm>
-            <a:off x="7315200" y="304800"/>
-            <a:ext cx="1524000" cy="923330"/>
+            <a:off x="6541951" y="351078"/>
+            <a:ext cx="1774325" cy="1569660"/>
           </a:xfrm>
           <a:prstGeom prst="rect">
             <a:avLst/>
@@ -5111,10 +5034,12 @@
           <a:lstStyle/>
           <a:p>
             <a:r>
-              <a:rPr lang="en-US" dirty="0" smtClean="0"/>
+              <a:rPr lang="en-US" sz="2400" dirty="0">
+                <a:latin typeface="Times New Roman" panose="02020603050405020304" pitchFamily="18" charset="0"/>
+                <a:cs typeface="Times New Roman" panose="02020603050405020304" pitchFamily="18" charset="0"/>
+              </a:rPr>
               <a:t>First iteration of sequential CCDFG</a:t>
             </a:r>
-            <a:endParaRPr lang="en-US" dirty="0"/>
           </a:p>
         </p:txBody>
       </p:sp>
@@ -5122,14 +5047,15 @@
         <p:nvCxnSpPr>
           <p:cNvPr id="45" name="Straight Arrow Connector 44"/>
           <p:cNvCxnSpPr>
+            <a:stCxn id="37" idx="2"/>
             <a:endCxn id="106" idx="0"/>
           </p:cNvCxnSpPr>
           <p:nvPr/>
         </p:nvCxnSpPr>
         <p:spPr>
-          <a:xfrm rot="16200000" flipH="1">
-            <a:off x="6667540" y="2171660"/>
-            <a:ext cx="228600" cy="80"/>
+          <a:xfrm>
+            <a:off x="5609432" y="2257347"/>
+            <a:ext cx="1" cy="276309"/>
           </a:xfrm>
           <a:prstGeom prst="straightConnector1">
             <a:avLst/>
@@ -5159,13 +5085,16 @@
       <p:cxnSp>
         <p:nvCxnSpPr>
           <p:cNvPr id="46" name="Straight Arrow Connector 45"/>
-          <p:cNvCxnSpPr/>
+          <p:cNvCxnSpPr>
+            <a:stCxn id="36" idx="2"/>
+            <a:endCxn id="37" idx="0"/>
+          </p:cNvCxnSpPr>
           <p:nvPr/>
         </p:nvCxnSpPr>
         <p:spPr>
-          <a:xfrm rot="5400000">
-            <a:off x="6678160" y="1399040"/>
-            <a:ext cx="208868" cy="1588"/>
+          <a:xfrm>
+            <a:off x="5609432" y="1486721"/>
+            <a:ext cx="0" cy="219845"/>
           </a:xfrm>
           <a:prstGeom prst="straightConnector1">
             <a:avLst/>
@@ -5195,13 +5124,16 @@
       <p:cxnSp>
         <p:nvCxnSpPr>
           <p:cNvPr id="49" name="Straight Arrow Connector 48"/>
-          <p:cNvCxnSpPr/>
+          <p:cNvCxnSpPr>
+            <a:stCxn id="35" idx="2"/>
+            <a:endCxn id="36" idx="0"/>
+          </p:cNvCxnSpPr>
           <p:nvPr/>
         </p:nvCxnSpPr>
         <p:spPr>
-          <a:xfrm rot="5400000">
-            <a:off x="6678160" y="637040"/>
-            <a:ext cx="208868" cy="1588"/>
+          <a:xfrm>
+            <a:off x="5609432" y="690217"/>
+            <a:ext cx="0" cy="245723"/>
           </a:xfrm>
           <a:prstGeom prst="straightConnector1">
             <a:avLst/>
@@ -5231,7 +5163,7 @@
     </p:spTree>
     <p:extLst>
       <p:ext uri="{BB962C8B-B14F-4D97-AF65-F5344CB8AC3E}">
-        <p14:creationId xmlns:p14="http://schemas.microsoft.com/office/powerpoint/2010/main" xmlns="" val="570798386"/>
+        <p14:creationId xmlns:p14="http://schemas.microsoft.com/office/powerpoint/2010/main" val="570798386"/>
       </p:ext>
     </p:extLst>
   </p:cSld>
